--- a/doc/SoftwareDesign/ServerController/vnfController/testTopology.pptx
+++ b/doc/SoftwareDesign/ServerController/vnfController/testTopology.pptx
@@ -7,6 +7,7 @@
   <p:sldIdLst>
     <p:sldId id="256" r:id="rId2"/>
     <p:sldId id="259" r:id="rId3"/>
+    <p:sldId id="261" r:id="rId4"/>
   </p:sldIdLst>
   <p:sldSz cx="12192000" cy="6858000"/>
   <p:notesSz cx="6858000" cy="9144000"/>
@@ -260,7 +261,7 @@
           <a:p>
             <a:fld id="{4F6EA541-6A7C-44CB-8B4C-77CF2F5883D3}" type="datetimeFigureOut">
               <a:rPr lang="zh-CN" altLang="en-US" smtClean="0"/>
-              <a:t>2020/10/10</a:t>
+              <a:t>2020/12/04</a:t>
             </a:fld>
             <a:endParaRPr lang="zh-CN" altLang="en-US"/>
           </a:p>
@@ -458,7 +459,7 @@
           <a:p>
             <a:fld id="{4F6EA541-6A7C-44CB-8B4C-77CF2F5883D3}" type="datetimeFigureOut">
               <a:rPr lang="zh-CN" altLang="en-US" smtClean="0"/>
-              <a:t>2020/10/10</a:t>
+              <a:t>2020/12/04</a:t>
             </a:fld>
             <a:endParaRPr lang="zh-CN" altLang="en-US"/>
           </a:p>
@@ -666,7 +667,7 @@
           <a:p>
             <a:fld id="{4F6EA541-6A7C-44CB-8B4C-77CF2F5883D3}" type="datetimeFigureOut">
               <a:rPr lang="zh-CN" altLang="en-US" smtClean="0"/>
-              <a:t>2020/10/10</a:t>
+              <a:t>2020/12/04</a:t>
             </a:fld>
             <a:endParaRPr lang="zh-CN" altLang="en-US"/>
           </a:p>
@@ -864,7 +865,7 @@
           <a:p>
             <a:fld id="{4F6EA541-6A7C-44CB-8B4C-77CF2F5883D3}" type="datetimeFigureOut">
               <a:rPr lang="zh-CN" altLang="en-US" smtClean="0"/>
-              <a:t>2020/10/10</a:t>
+              <a:t>2020/12/04</a:t>
             </a:fld>
             <a:endParaRPr lang="zh-CN" altLang="en-US"/>
           </a:p>
@@ -1139,7 +1140,7 @@
           <a:p>
             <a:fld id="{4F6EA541-6A7C-44CB-8B4C-77CF2F5883D3}" type="datetimeFigureOut">
               <a:rPr lang="zh-CN" altLang="en-US" smtClean="0"/>
-              <a:t>2020/10/10</a:t>
+              <a:t>2020/12/04</a:t>
             </a:fld>
             <a:endParaRPr lang="zh-CN" altLang="en-US"/>
           </a:p>
@@ -1404,7 +1405,7 @@
           <a:p>
             <a:fld id="{4F6EA541-6A7C-44CB-8B4C-77CF2F5883D3}" type="datetimeFigureOut">
               <a:rPr lang="zh-CN" altLang="en-US" smtClean="0"/>
-              <a:t>2020/10/10</a:t>
+              <a:t>2020/12/04</a:t>
             </a:fld>
             <a:endParaRPr lang="zh-CN" altLang="en-US"/>
           </a:p>
@@ -1816,7 +1817,7 @@
           <a:p>
             <a:fld id="{4F6EA541-6A7C-44CB-8B4C-77CF2F5883D3}" type="datetimeFigureOut">
               <a:rPr lang="zh-CN" altLang="en-US" smtClean="0"/>
-              <a:t>2020/10/10</a:t>
+              <a:t>2020/12/04</a:t>
             </a:fld>
             <a:endParaRPr lang="zh-CN" altLang="en-US"/>
           </a:p>
@@ -1957,7 +1958,7 @@
           <a:p>
             <a:fld id="{4F6EA541-6A7C-44CB-8B4C-77CF2F5883D3}" type="datetimeFigureOut">
               <a:rPr lang="zh-CN" altLang="en-US" smtClean="0"/>
-              <a:t>2020/10/10</a:t>
+              <a:t>2020/12/04</a:t>
             </a:fld>
             <a:endParaRPr lang="zh-CN" altLang="en-US"/>
           </a:p>
@@ -2070,7 +2071,7 @@
           <a:p>
             <a:fld id="{4F6EA541-6A7C-44CB-8B4C-77CF2F5883D3}" type="datetimeFigureOut">
               <a:rPr lang="zh-CN" altLang="en-US" smtClean="0"/>
-              <a:t>2020/10/10</a:t>
+              <a:t>2020/12/04</a:t>
             </a:fld>
             <a:endParaRPr lang="zh-CN" altLang="en-US"/>
           </a:p>
@@ -2381,7 +2382,7 @@
           <a:p>
             <a:fld id="{4F6EA541-6A7C-44CB-8B4C-77CF2F5883D3}" type="datetimeFigureOut">
               <a:rPr lang="zh-CN" altLang="en-US" smtClean="0"/>
-              <a:t>2020/10/10</a:t>
+              <a:t>2020/12/04</a:t>
             </a:fld>
             <a:endParaRPr lang="zh-CN" altLang="en-US"/>
           </a:p>
@@ -2669,7 +2670,7 @@
           <a:p>
             <a:fld id="{4F6EA541-6A7C-44CB-8B4C-77CF2F5883D3}" type="datetimeFigureOut">
               <a:rPr lang="zh-CN" altLang="en-US" smtClean="0"/>
-              <a:t>2020/10/10</a:t>
+              <a:t>2020/12/04</a:t>
             </a:fld>
             <a:endParaRPr lang="zh-CN" altLang="en-US"/>
           </a:p>
@@ -2910,7 +2911,7 @@
           <a:p>
             <a:fld id="{4F6EA541-6A7C-44CB-8B4C-77CF2F5883D3}" type="datetimeFigureOut">
               <a:rPr lang="zh-CN" altLang="en-US" smtClean="0"/>
-              <a:t>2020/10/10</a:t>
+              <a:t>2020/12/04</a:t>
             </a:fld>
             <a:endParaRPr lang="zh-CN" altLang="en-US"/>
           </a:p>
@@ -3441,7 +3442,7 @@
           <a:p>
             <a:r>
               <a:rPr lang="en-US" altLang="zh-CN" dirty="0"/>
-              <a:t>Topology</a:t>
+              <a:t>Topology - VM</a:t>
             </a:r>
             <a:endParaRPr lang="zh-CN" altLang="en-US" dirty="0"/>
           </a:p>
@@ -3462,7 +3463,7 @@
         <p:spPr>
           <a:xfrm>
             <a:off x="1348033" y="3113201"/>
-            <a:ext cx="2535810" cy="2309567"/>
+            <a:ext cx="2535810" cy="2769125"/>
           </a:xfrm>
           <a:prstGeom prst="rect">
             <a:avLst/>
@@ -3518,7 +3519,7 @@
         <p:spPr>
           <a:xfrm>
             <a:off x="8261022" y="3207469"/>
-            <a:ext cx="2535810" cy="2309567"/>
+            <a:ext cx="2535810" cy="2674857"/>
           </a:xfrm>
           <a:prstGeom prst="rect">
             <a:avLst/>
@@ -3623,7 +3624,7 @@
         </p:nvSpPr>
         <p:spPr>
           <a:xfrm>
-            <a:off x="3685880" y="4732256"/>
+            <a:off x="3692946" y="4411746"/>
             <a:ext cx="914400" cy="490194"/>
           </a:xfrm>
           <a:prstGeom prst="roundRect">
@@ -3673,7 +3674,7 @@
         </p:nvSpPr>
         <p:spPr>
           <a:xfrm>
-            <a:off x="7605862" y="4732256"/>
+            <a:off x="7612928" y="4411746"/>
             <a:ext cx="914400" cy="490194"/>
           </a:xfrm>
           <a:prstGeom prst="roundRect">
@@ -3826,7 +3827,7 @@
         </p:nvSpPr>
         <p:spPr>
           <a:xfrm>
-            <a:off x="5470686" y="4515439"/>
+            <a:off x="5477752" y="4194929"/>
             <a:ext cx="1403025" cy="729400"/>
           </a:xfrm>
           <a:prstGeom prst="cube">
@@ -3962,7 +3963,7 @@
         </p:nvCxnSpPr>
         <p:spPr>
           <a:xfrm>
-            <a:off x="6691361" y="4971314"/>
+            <a:off x="6698427" y="4650804"/>
             <a:ext cx="914501" cy="6039"/>
           </a:xfrm>
           <a:prstGeom prst="line">
@@ -4002,7 +4003,7 @@
         </p:nvCxnSpPr>
         <p:spPr>
           <a:xfrm flipV="1">
-            <a:off x="4600280" y="4971314"/>
+            <a:off x="4607346" y="4650804"/>
             <a:ext cx="870406" cy="6039"/>
           </a:xfrm>
           <a:prstGeom prst="line">
@@ -4202,7 +4203,7 @@
         </p:nvSpPr>
         <p:spPr>
           <a:xfrm>
-            <a:off x="7605862" y="5642466"/>
+            <a:off x="7836696" y="6080341"/>
             <a:ext cx="3615092" cy="646331"/>
           </a:xfrm>
           <a:prstGeom prst="rect">
@@ -4272,7 +4273,7 @@
         </p:nvSpPr>
         <p:spPr>
           <a:xfrm>
-            <a:off x="1121790" y="5577728"/>
+            <a:off x="971046" y="6086775"/>
             <a:ext cx="3384260" cy="646331"/>
           </a:xfrm>
           <a:prstGeom prst="rect">
@@ -4354,7 +4355,7 @@
           <a:p>
             <a:r>
               <a:rPr lang="en-US" altLang="zh-CN" b="1" dirty="0"/>
-              <a:t>192.168.0.150</a:t>
+              <a:t>192.168.0.158</a:t>
             </a:r>
             <a:endParaRPr lang="zh-CN" altLang="en-US" b="1" dirty="0"/>
           </a:p>
@@ -4390,7 +4391,7 @@
           <a:p>
             <a:r>
               <a:rPr lang="en-US" altLang="zh-CN" b="1" dirty="0"/>
-              <a:t>192.168.0.156</a:t>
+              <a:t>192.168.0.201</a:t>
             </a:r>
             <a:endParaRPr lang="zh-CN" altLang="en-US" b="1" dirty="0"/>
           </a:p>
@@ -4410,7 +4411,7 @@
         </p:nvSpPr>
         <p:spPr>
           <a:xfrm>
-            <a:off x="3835302" y="4339836"/>
+            <a:off x="3842368" y="4019326"/>
             <a:ext cx="1122423" cy="369332"/>
           </a:xfrm>
           <a:prstGeom prst="rect">
@@ -4446,7 +4447,7 @@
         </p:nvSpPr>
         <p:spPr>
           <a:xfrm>
-            <a:off x="7605862" y="4339836"/>
+            <a:off x="7612928" y="4019326"/>
             <a:ext cx="1122423" cy="369332"/>
           </a:xfrm>
           <a:prstGeom prst="rect">
@@ -4468,10 +4469,1099 @@
           </a:p>
         </p:txBody>
       </p:sp>
+      <p:sp>
+        <p:nvSpPr>
+          <p:cNvPr id="23" name="矩形: 圆角 22">
+            <a:extLst>
+              <a:ext uri="{FF2B5EF4-FFF2-40B4-BE49-F238E27FC236}">
+                <a16:creationId xmlns:a16="http://schemas.microsoft.com/office/drawing/2014/main" id="{604D7032-39ED-4BFD-9C04-0A0F578A0F10}"/>
+              </a:ext>
+            </a:extLst>
+          </p:cNvPr>
+          <p:cNvSpPr/>
+          <p:nvPr/>
+        </p:nvSpPr>
+        <p:spPr>
+          <a:xfrm>
+            <a:off x="3692946" y="5338521"/>
+            <a:ext cx="914400" cy="490194"/>
+          </a:xfrm>
+          <a:prstGeom prst="roundRect">
+            <a:avLst/>
+          </a:prstGeom>
+        </p:spPr>
+        <p:style>
+          <a:lnRef idx="2">
+            <a:schemeClr val="accent1">
+              <a:shade val="50000"/>
+            </a:schemeClr>
+          </a:lnRef>
+          <a:fillRef idx="1">
+            <a:schemeClr val="accent1"/>
+          </a:fillRef>
+          <a:effectRef idx="0">
+            <a:schemeClr val="accent1"/>
+          </a:effectRef>
+          <a:fontRef idx="minor">
+            <a:schemeClr val="lt1"/>
+          </a:fontRef>
+        </p:style>
+        <p:txBody>
+          <a:bodyPr rtlCol="0" anchor="ctr"/>
+          <a:lstStyle/>
+          <a:p>
+            <a:pPr algn="ctr"/>
+            <a:r>
+              <a:rPr lang="en-US" altLang="zh-CN" dirty="0"/>
+              <a:t>ens9</a:t>
+            </a:r>
+            <a:endParaRPr lang="zh-CN" altLang="en-US" dirty="0"/>
+          </a:p>
+        </p:txBody>
+      </p:sp>
+      <p:sp>
+        <p:nvSpPr>
+          <p:cNvPr id="24" name="矩形: 圆角 23">
+            <a:extLst>
+              <a:ext uri="{FF2B5EF4-FFF2-40B4-BE49-F238E27FC236}">
+                <a16:creationId xmlns:a16="http://schemas.microsoft.com/office/drawing/2014/main" id="{F4FD866F-F54E-4CCD-8372-7C16AF5F73AB}"/>
+              </a:ext>
+            </a:extLst>
+          </p:cNvPr>
+          <p:cNvSpPr/>
+          <p:nvPr/>
+        </p:nvSpPr>
+        <p:spPr>
+          <a:xfrm>
+            <a:off x="7612928" y="5338521"/>
+            <a:ext cx="914400" cy="490194"/>
+          </a:xfrm>
+          <a:prstGeom prst="roundRect">
+            <a:avLst/>
+          </a:prstGeom>
+        </p:spPr>
+        <p:style>
+          <a:lnRef idx="2">
+            <a:schemeClr val="accent1">
+              <a:shade val="50000"/>
+            </a:schemeClr>
+          </a:lnRef>
+          <a:fillRef idx="1">
+            <a:schemeClr val="accent1"/>
+          </a:fillRef>
+          <a:effectRef idx="0">
+            <a:schemeClr val="accent1"/>
+          </a:effectRef>
+          <a:fontRef idx="minor">
+            <a:schemeClr val="lt1"/>
+          </a:fontRef>
+        </p:style>
+        <p:txBody>
+          <a:bodyPr rtlCol="0" anchor="ctr"/>
+          <a:lstStyle/>
+          <a:p>
+            <a:pPr algn="ctr"/>
+            <a:r>
+              <a:rPr lang="en-US" altLang="zh-CN" dirty="0"/>
+              <a:t>ens9</a:t>
+            </a:r>
+            <a:endParaRPr lang="zh-CN" altLang="en-US" dirty="0"/>
+          </a:p>
+        </p:txBody>
+      </p:sp>
+      <p:sp>
+        <p:nvSpPr>
+          <p:cNvPr id="25" name="立方体 24">
+            <a:extLst>
+              <a:ext uri="{FF2B5EF4-FFF2-40B4-BE49-F238E27FC236}">
+                <a16:creationId xmlns:a16="http://schemas.microsoft.com/office/drawing/2014/main" id="{BA35F0E0-7660-4302-8586-EC3ED104F7D1}"/>
+              </a:ext>
+            </a:extLst>
+          </p:cNvPr>
+          <p:cNvSpPr/>
+          <p:nvPr/>
+        </p:nvSpPr>
+        <p:spPr>
+          <a:xfrm>
+            <a:off x="5078542" y="5121704"/>
+            <a:ext cx="2101532" cy="729400"/>
+          </a:xfrm>
+          <a:prstGeom prst="cube">
+            <a:avLst/>
+          </a:prstGeom>
+          <a:solidFill>
+            <a:srgbClr val="FFC000"/>
+          </a:solidFill>
+        </p:spPr>
+        <p:style>
+          <a:lnRef idx="2">
+            <a:schemeClr val="accent1">
+              <a:shade val="50000"/>
+            </a:schemeClr>
+          </a:lnRef>
+          <a:fillRef idx="1">
+            <a:schemeClr val="accent1"/>
+          </a:fillRef>
+          <a:effectRef idx="0">
+            <a:schemeClr val="accent1"/>
+          </a:effectRef>
+          <a:fontRef idx="minor">
+            <a:schemeClr val="lt1"/>
+          </a:fontRef>
+        </p:style>
+        <p:txBody>
+          <a:bodyPr rtlCol="0" anchor="ctr"/>
+          <a:lstStyle/>
+          <a:p>
+            <a:pPr algn="ctr"/>
+            <a:r>
+              <a:rPr lang="en-US" altLang="zh-CN" dirty="0"/>
+              <a:t>Bridge toVNF0Backup0</a:t>
+            </a:r>
+            <a:endParaRPr lang="zh-CN" altLang="en-US" dirty="0"/>
+          </a:p>
+        </p:txBody>
+      </p:sp>
+      <p:cxnSp>
+        <p:nvCxnSpPr>
+          <p:cNvPr id="26" name="直接连接符 25">
+            <a:extLst>
+              <a:ext uri="{FF2B5EF4-FFF2-40B4-BE49-F238E27FC236}">
+                <a16:creationId xmlns:a16="http://schemas.microsoft.com/office/drawing/2014/main" id="{775D21E7-581F-4154-A964-93199E3429FC}"/>
+              </a:ext>
+            </a:extLst>
+          </p:cNvPr>
+          <p:cNvCxnSpPr>
+            <a:cxnSpLocks/>
+            <a:stCxn id="25" idx="4"/>
+            <a:endCxn id="24" idx="1"/>
+          </p:cNvCxnSpPr>
+          <p:nvPr/>
+        </p:nvCxnSpPr>
+        <p:spPr>
+          <a:xfrm>
+            <a:off x="6997724" y="5577579"/>
+            <a:ext cx="615204" cy="6039"/>
+          </a:xfrm>
+          <a:prstGeom prst="line">
+            <a:avLst/>
+          </a:prstGeom>
+        </p:spPr>
+        <p:style>
+          <a:lnRef idx="3">
+            <a:schemeClr val="dk1"/>
+          </a:lnRef>
+          <a:fillRef idx="0">
+            <a:schemeClr val="dk1"/>
+          </a:fillRef>
+          <a:effectRef idx="2">
+            <a:schemeClr val="dk1"/>
+          </a:effectRef>
+          <a:fontRef idx="minor">
+            <a:schemeClr val="tx1"/>
+          </a:fontRef>
+        </p:style>
+      </p:cxnSp>
+      <p:cxnSp>
+        <p:nvCxnSpPr>
+          <p:cNvPr id="27" name="直接连接符 26">
+            <a:extLst>
+              <a:ext uri="{FF2B5EF4-FFF2-40B4-BE49-F238E27FC236}">
+                <a16:creationId xmlns:a16="http://schemas.microsoft.com/office/drawing/2014/main" id="{C4B9F634-1490-41F8-AD9C-63BA60031374}"/>
+              </a:ext>
+            </a:extLst>
+          </p:cNvPr>
+          <p:cNvCxnSpPr>
+            <a:cxnSpLocks/>
+            <a:stCxn id="23" idx="3"/>
+            <a:endCxn id="25" idx="2"/>
+          </p:cNvCxnSpPr>
+          <p:nvPr/>
+        </p:nvCxnSpPr>
+        <p:spPr>
+          <a:xfrm flipV="1">
+            <a:off x="4607346" y="5577579"/>
+            <a:ext cx="471196" cy="6039"/>
+          </a:xfrm>
+          <a:prstGeom prst="line">
+            <a:avLst/>
+          </a:prstGeom>
+        </p:spPr>
+        <p:style>
+          <a:lnRef idx="3">
+            <a:schemeClr val="dk1"/>
+          </a:lnRef>
+          <a:fillRef idx="0">
+            <a:schemeClr val="dk1"/>
+          </a:fillRef>
+          <a:effectRef idx="2">
+            <a:schemeClr val="dk1"/>
+          </a:effectRef>
+          <a:fontRef idx="minor">
+            <a:schemeClr val="tx1"/>
+          </a:fontRef>
+        </p:style>
+      </p:cxnSp>
+      <p:sp>
+        <p:nvSpPr>
+          <p:cNvPr id="32" name="文本框 31">
+            <a:extLst>
+              <a:ext uri="{FF2B5EF4-FFF2-40B4-BE49-F238E27FC236}">
+                <a16:creationId xmlns:a16="http://schemas.microsoft.com/office/drawing/2014/main" id="{A7D12B63-23A4-4066-8EA8-62400942B2ED}"/>
+              </a:ext>
+            </a:extLst>
+          </p:cNvPr>
+          <p:cNvSpPr txBox="1"/>
+          <p:nvPr/>
+        </p:nvSpPr>
+        <p:spPr>
+          <a:xfrm>
+            <a:off x="3842368" y="5014313"/>
+            <a:ext cx="853119" cy="369332"/>
+          </a:xfrm>
+          <a:prstGeom prst="rect">
+            <a:avLst/>
+          </a:prstGeom>
+          <a:noFill/>
+        </p:spPr>
+        <p:txBody>
+          <a:bodyPr wrap="none" rtlCol="0">
+            <a:spAutoFit/>
+          </a:bodyPr>
+          <a:lstStyle/>
+          <a:p>
+            <a:r>
+              <a:rPr lang="en-US" altLang="zh-CN" b="1" dirty="0"/>
+              <a:t>2.2.0.x</a:t>
+            </a:r>
+            <a:endParaRPr lang="zh-CN" altLang="en-US" b="1" dirty="0"/>
+          </a:p>
+        </p:txBody>
+      </p:sp>
+      <p:sp>
+        <p:nvSpPr>
+          <p:cNvPr id="33" name="文本框 32">
+            <a:extLst>
+              <a:ext uri="{FF2B5EF4-FFF2-40B4-BE49-F238E27FC236}">
+                <a16:creationId xmlns:a16="http://schemas.microsoft.com/office/drawing/2014/main" id="{C2CCB473-4981-4893-87BA-B26ACE417503}"/>
+              </a:ext>
+            </a:extLst>
+          </p:cNvPr>
+          <p:cNvSpPr txBox="1"/>
+          <p:nvPr/>
+        </p:nvSpPr>
+        <p:spPr>
+          <a:xfrm>
+            <a:off x="7612928" y="5014313"/>
+            <a:ext cx="854721" cy="369332"/>
+          </a:xfrm>
+          <a:prstGeom prst="rect">
+            <a:avLst/>
+          </a:prstGeom>
+          <a:noFill/>
+        </p:spPr>
+        <p:txBody>
+          <a:bodyPr wrap="none" rtlCol="0">
+            <a:spAutoFit/>
+          </a:bodyPr>
+          <a:lstStyle/>
+          <a:p>
+            <a:r>
+              <a:rPr lang="en-US" altLang="zh-CN" b="1" dirty="0"/>
+              <a:t>2.2.0.y</a:t>
+            </a:r>
+            <a:endParaRPr lang="zh-CN" altLang="en-US" b="1" dirty="0"/>
+          </a:p>
+        </p:txBody>
+      </p:sp>
     </p:spTree>
     <p:extLst>
       <p:ext uri="{BB962C8B-B14F-4D97-AF65-F5344CB8AC3E}">
         <p14:creationId xmlns:p14="http://schemas.microsoft.com/office/powerpoint/2010/main" val="3296319675"/>
+      </p:ext>
+    </p:extLst>
+  </p:cSld>
+  <p:clrMapOvr>
+    <a:masterClrMapping/>
+  </p:clrMapOvr>
+</p:sld>
+</file>
+
+<file path=ppt/slides/slide3.xml><?xml version="1.0" encoding="utf-8"?>
+<p:sld xmlns:a="http://schemas.openxmlformats.org/drawingml/2006/main" xmlns:r="http://schemas.openxmlformats.org/officeDocument/2006/relationships" xmlns:p="http://schemas.openxmlformats.org/presentationml/2006/main">
+  <p:cSld>
+    <p:spTree>
+      <p:nvGrpSpPr>
+        <p:cNvPr id="1" name=""/>
+        <p:cNvGrpSpPr/>
+        <p:nvPr/>
+      </p:nvGrpSpPr>
+      <p:grpSpPr>
+        <a:xfrm>
+          <a:off x="0" y="0"/>
+          <a:ext cx="0" cy="0"/>
+          <a:chOff x="0" y="0"/>
+          <a:chExt cx="0" cy="0"/>
+        </a:xfrm>
+      </p:grpSpPr>
+      <p:sp>
+        <p:nvSpPr>
+          <p:cNvPr id="2" name="标题 1">
+            <a:extLst>
+              <a:ext uri="{FF2B5EF4-FFF2-40B4-BE49-F238E27FC236}">
+                <a16:creationId xmlns:a16="http://schemas.microsoft.com/office/drawing/2014/main" id="{F30C10E6-982A-47C0-9D83-F715D60788B4}"/>
+              </a:ext>
+            </a:extLst>
+          </p:cNvPr>
+          <p:cNvSpPr>
+            <a:spLocks noGrp="1"/>
+          </p:cNvSpPr>
+          <p:nvPr>
+            <p:ph type="title"/>
+          </p:nvPr>
+        </p:nvSpPr>
+        <p:spPr/>
+        <p:txBody>
+          <a:bodyPr/>
+          <a:lstStyle/>
+          <a:p>
+            <a:r>
+              <a:rPr lang="en-US" altLang="zh-CN" dirty="0"/>
+              <a:t>Topology - Server</a:t>
+            </a:r>
+            <a:endParaRPr lang="zh-CN" altLang="en-US" dirty="0"/>
+          </a:p>
+        </p:txBody>
+      </p:sp>
+      <p:sp>
+        <p:nvSpPr>
+          <p:cNvPr id="4" name="矩形 3">
+            <a:extLst>
+              <a:ext uri="{FF2B5EF4-FFF2-40B4-BE49-F238E27FC236}">
+                <a16:creationId xmlns:a16="http://schemas.microsoft.com/office/drawing/2014/main" id="{D6AD6EDB-CB8F-465C-BAD6-2A71FB988EDE}"/>
+              </a:ext>
+            </a:extLst>
+          </p:cNvPr>
+          <p:cNvSpPr/>
+          <p:nvPr/>
+        </p:nvSpPr>
+        <p:spPr>
+          <a:xfrm>
+            <a:off x="1348033" y="3113201"/>
+            <a:ext cx="2535810" cy="2769125"/>
+          </a:xfrm>
+          <a:prstGeom prst="rect">
+            <a:avLst/>
+          </a:prstGeom>
+          <a:ln w="57150"/>
+        </p:spPr>
+        <p:style>
+          <a:lnRef idx="2">
+            <a:schemeClr val="accent6"/>
+          </a:lnRef>
+          <a:fillRef idx="1">
+            <a:schemeClr val="lt1"/>
+          </a:fillRef>
+          <a:effectRef idx="0">
+            <a:schemeClr val="accent6"/>
+          </a:effectRef>
+          <a:fontRef idx="minor">
+            <a:schemeClr val="dk1"/>
+          </a:fontRef>
+        </p:style>
+        <p:txBody>
+          <a:bodyPr rtlCol="0" anchor="ctr"/>
+          <a:lstStyle/>
+          <a:p>
+            <a:pPr algn="ctr"/>
+            <a:r>
+              <a:rPr lang="en-US" altLang="zh-CN" b="1" dirty="0"/>
+              <a:t>VM1</a:t>
+            </a:r>
+          </a:p>
+          <a:p>
+            <a:pPr algn="ctr"/>
+            <a:r>
+              <a:rPr lang="en-US" altLang="zh-CN" b="1" dirty="0"/>
+              <a:t>Tester</a:t>
+            </a:r>
+            <a:endParaRPr lang="zh-CN" altLang="en-US" b="1" dirty="0"/>
+          </a:p>
+        </p:txBody>
+      </p:sp>
+      <p:sp>
+        <p:nvSpPr>
+          <p:cNvPr id="5" name="矩形 4">
+            <a:extLst>
+              <a:ext uri="{FF2B5EF4-FFF2-40B4-BE49-F238E27FC236}">
+                <a16:creationId xmlns:a16="http://schemas.microsoft.com/office/drawing/2014/main" id="{EE4804C3-96A5-45F2-A6E3-2C041E8A6CFE}"/>
+              </a:ext>
+            </a:extLst>
+          </p:cNvPr>
+          <p:cNvSpPr/>
+          <p:nvPr/>
+        </p:nvSpPr>
+        <p:spPr>
+          <a:xfrm>
+            <a:off x="8261022" y="3207469"/>
+            <a:ext cx="2535810" cy="2674857"/>
+          </a:xfrm>
+          <a:prstGeom prst="rect">
+            <a:avLst/>
+          </a:prstGeom>
+          <a:ln w="57150"/>
+        </p:spPr>
+        <p:style>
+          <a:lnRef idx="2">
+            <a:schemeClr val="accent6"/>
+          </a:lnRef>
+          <a:fillRef idx="1">
+            <a:schemeClr val="lt1"/>
+          </a:fillRef>
+          <a:effectRef idx="0">
+            <a:schemeClr val="accent6"/>
+          </a:effectRef>
+          <a:fontRef idx="minor">
+            <a:schemeClr val="dk1"/>
+          </a:fontRef>
+        </p:style>
+        <p:txBody>
+          <a:bodyPr rtlCol="0" anchor="ctr"/>
+          <a:lstStyle/>
+          <a:p>
+            <a:pPr algn="ctr"/>
+            <a:r>
+              <a:rPr lang="en-US" altLang="zh-CN" b="1" dirty="0"/>
+              <a:t>Server</a:t>
+            </a:r>
+          </a:p>
+          <a:p>
+            <a:pPr algn="ctr"/>
+            <a:r>
+              <a:rPr lang="en-US" altLang="zh-CN" b="1" dirty="0"/>
+              <a:t>server0</a:t>
+            </a:r>
+            <a:endParaRPr lang="zh-CN" altLang="en-US" b="1" dirty="0"/>
+          </a:p>
+        </p:txBody>
+      </p:sp>
+      <p:sp>
+        <p:nvSpPr>
+          <p:cNvPr id="6" name="矩形: 圆角 5">
+            <a:extLst>
+              <a:ext uri="{FF2B5EF4-FFF2-40B4-BE49-F238E27FC236}">
+                <a16:creationId xmlns:a16="http://schemas.microsoft.com/office/drawing/2014/main" id="{668B6F76-32FA-45F1-92B2-814B0304CB2F}"/>
+              </a:ext>
+            </a:extLst>
+          </p:cNvPr>
+          <p:cNvSpPr/>
+          <p:nvPr/>
+        </p:nvSpPr>
+        <p:spPr>
+          <a:xfrm>
+            <a:off x="3559009" y="4179927"/>
+            <a:ext cx="914400" cy="490194"/>
+          </a:xfrm>
+          <a:prstGeom prst="roundRect">
+            <a:avLst/>
+          </a:prstGeom>
+        </p:spPr>
+        <p:style>
+          <a:lnRef idx="2">
+            <a:schemeClr val="accent1">
+              <a:shade val="50000"/>
+            </a:schemeClr>
+          </a:lnRef>
+          <a:fillRef idx="1">
+            <a:schemeClr val="accent1"/>
+          </a:fillRef>
+          <a:effectRef idx="0">
+            <a:schemeClr val="accent1"/>
+          </a:effectRef>
+          <a:fontRef idx="minor">
+            <a:schemeClr val="lt1"/>
+          </a:fontRef>
+        </p:style>
+        <p:txBody>
+          <a:bodyPr rtlCol="0" anchor="ctr"/>
+          <a:lstStyle/>
+          <a:p>
+            <a:pPr algn="ctr"/>
+            <a:r>
+              <a:rPr lang="en-US" altLang="zh-CN" dirty="0"/>
+              <a:t>ens3</a:t>
+            </a:r>
+            <a:endParaRPr lang="zh-CN" altLang="en-US" dirty="0"/>
+          </a:p>
+        </p:txBody>
+      </p:sp>
+      <p:sp>
+        <p:nvSpPr>
+          <p:cNvPr id="9" name="矩形: 圆角 8">
+            <a:extLst>
+              <a:ext uri="{FF2B5EF4-FFF2-40B4-BE49-F238E27FC236}">
+                <a16:creationId xmlns:a16="http://schemas.microsoft.com/office/drawing/2014/main" id="{B2CF03A7-4C99-480D-93C7-7415E8115E04}"/>
+              </a:ext>
+            </a:extLst>
+          </p:cNvPr>
+          <p:cNvSpPr/>
+          <p:nvPr/>
+        </p:nvSpPr>
+        <p:spPr>
+          <a:xfrm>
+            <a:off x="7471925" y="4194067"/>
+            <a:ext cx="1113932" cy="490194"/>
+          </a:xfrm>
+          <a:prstGeom prst="roundRect">
+            <a:avLst/>
+          </a:prstGeom>
+        </p:spPr>
+        <p:style>
+          <a:lnRef idx="2">
+            <a:schemeClr val="accent1">
+              <a:shade val="50000"/>
+            </a:schemeClr>
+          </a:lnRef>
+          <a:fillRef idx="1">
+            <a:schemeClr val="accent1"/>
+          </a:fillRef>
+          <a:effectRef idx="0">
+            <a:schemeClr val="accent1"/>
+          </a:effectRef>
+          <a:fontRef idx="minor">
+            <a:schemeClr val="lt1"/>
+          </a:fontRef>
+        </p:style>
+        <p:txBody>
+          <a:bodyPr rtlCol="0" anchor="ctr"/>
+          <a:lstStyle/>
+          <a:p>
+            <a:pPr algn="ctr"/>
+            <a:r>
+              <a:rPr lang="en-US" altLang="zh-CN" dirty="0"/>
+              <a:t>enp4s0</a:t>
+            </a:r>
+            <a:endParaRPr lang="zh-CN" altLang="en-US" dirty="0"/>
+          </a:p>
+        </p:txBody>
+      </p:sp>
+      <p:sp>
+        <p:nvSpPr>
+          <p:cNvPr id="10" name="立方体 9">
+            <a:extLst>
+              <a:ext uri="{FF2B5EF4-FFF2-40B4-BE49-F238E27FC236}">
+                <a16:creationId xmlns:a16="http://schemas.microsoft.com/office/drawing/2014/main" id="{2C6A6A70-A040-49E4-974D-B025D987456F}"/>
+              </a:ext>
+            </a:extLst>
+          </p:cNvPr>
+          <p:cNvSpPr/>
+          <p:nvPr/>
+        </p:nvSpPr>
+        <p:spPr>
+          <a:xfrm>
+            <a:off x="5336749" y="3973715"/>
+            <a:ext cx="1403025" cy="729400"/>
+          </a:xfrm>
+          <a:prstGeom prst="cube">
+            <a:avLst/>
+          </a:prstGeom>
+          <a:solidFill>
+            <a:srgbClr val="FFC000"/>
+          </a:solidFill>
+        </p:spPr>
+        <p:style>
+          <a:lnRef idx="2">
+            <a:schemeClr val="accent1">
+              <a:shade val="50000"/>
+            </a:schemeClr>
+          </a:lnRef>
+          <a:fillRef idx="1">
+            <a:schemeClr val="accent1"/>
+          </a:fillRef>
+          <a:effectRef idx="0">
+            <a:schemeClr val="accent1"/>
+          </a:effectRef>
+          <a:fontRef idx="minor">
+            <a:schemeClr val="lt1"/>
+          </a:fontRef>
+        </p:style>
+        <p:txBody>
+          <a:bodyPr rtlCol="0" anchor="ctr"/>
+          <a:lstStyle/>
+          <a:p>
+            <a:pPr algn="ctr"/>
+            <a:r>
+              <a:rPr lang="en-US" altLang="zh-CN" dirty="0"/>
+              <a:t>Bridge 1</a:t>
+            </a:r>
+            <a:endParaRPr lang="zh-CN" altLang="en-US" dirty="0"/>
+          </a:p>
+        </p:txBody>
+      </p:sp>
+      <p:cxnSp>
+        <p:nvCxnSpPr>
+          <p:cNvPr id="12" name="直接连接符 11">
+            <a:extLst>
+              <a:ext uri="{FF2B5EF4-FFF2-40B4-BE49-F238E27FC236}">
+                <a16:creationId xmlns:a16="http://schemas.microsoft.com/office/drawing/2014/main" id="{28F4B5E8-BFD6-4B6F-9BF5-E3658A73AE4E}"/>
+              </a:ext>
+            </a:extLst>
+          </p:cNvPr>
+          <p:cNvCxnSpPr>
+            <a:stCxn id="6" idx="3"/>
+            <a:endCxn id="10" idx="2"/>
+          </p:cNvCxnSpPr>
+          <p:nvPr/>
+        </p:nvCxnSpPr>
+        <p:spPr>
+          <a:xfrm>
+            <a:off x="4473409" y="4425024"/>
+            <a:ext cx="863340" cy="4566"/>
+          </a:xfrm>
+          <a:prstGeom prst="line">
+            <a:avLst/>
+          </a:prstGeom>
+        </p:spPr>
+        <p:style>
+          <a:lnRef idx="3">
+            <a:schemeClr val="dk1"/>
+          </a:lnRef>
+          <a:fillRef idx="0">
+            <a:schemeClr val="dk1"/>
+          </a:fillRef>
+          <a:effectRef idx="2">
+            <a:schemeClr val="dk1"/>
+          </a:effectRef>
+          <a:fontRef idx="minor">
+            <a:schemeClr val="tx1"/>
+          </a:fontRef>
+        </p:style>
+      </p:cxnSp>
+      <p:cxnSp>
+        <p:nvCxnSpPr>
+          <p:cNvPr id="13" name="直接连接符 12">
+            <a:extLst>
+              <a:ext uri="{FF2B5EF4-FFF2-40B4-BE49-F238E27FC236}">
+                <a16:creationId xmlns:a16="http://schemas.microsoft.com/office/drawing/2014/main" id="{F9FC2F10-D43A-495D-A2ED-9AEA6A98089E}"/>
+              </a:ext>
+            </a:extLst>
+          </p:cNvPr>
+          <p:cNvCxnSpPr>
+            <a:cxnSpLocks/>
+            <a:stCxn id="10" idx="4"/>
+            <a:endCxn id="9" idx="1"/>
+          </p:cNvCxnSpPr>
+          <p:nvPr/>
+        </p:nvCxnSpPr>
+        <p:spPr>
+          <a:xfrm>
+            <a:off x="6557424" y="4429590"/>
+            <a:ext cx="914501" cy="9574"/>
+          </a:xfrm>
+          <a:prstGeom prst="line">
+            <a:avLst/>
+          </a:prstGeom>
+        </p:spPr>
+        <p:style>
+          <a:lnRef idx="3">
+            <a:schemeClr val="dk1"/>
+          </a:lnRef>
+          <a:fillRef idx="0">
+            <a:schemeClr val="dk1"/>
+          </a:fillRef>
+          <a:effectRef idx="2">
+            <a:schemeClr val="dk1"/>
+          </a:effectRef>
+          <a:fontRef idx="minor">
+            <a:schemeClr val="tx1"/>
+          </a:fontRef>
+        </p:style>
+      </p:cxnSp>
+      <p:sp>
+        <p:nvSpPr>
+          <p:cNvPr id="16" name="文本框 15">
+            <a:extLst>
+              <a:ext uri="{FF2B5EF4-FFF2-40B4-BE49-F238E27FC236}">
+                <a16:creationId xmlns:a16="http://schemas.microsoft.com/office/drawing/2014/main" id="{97E6F253-A9C0-4764-A0A2-19D8AC9F2DA8}"/>
+              </a:ext>
+            </a:extLst>
+          </p:cNvPr>
+          <p:cNvSpPr txBox="1"/>
+          <p:nvPr/>
+        </p:nvSpPr>
+        <p:spPr>
+          <a:xfrm>
+            <a:off x="1348033" y="1984913"/>
+            <a:ext cx="3730508" cy="923330"/>
+          </a:xfrm>
+          <a:prstGeom prst="rect">
+            <a:avLst/>
+          </a:prstGeom>
+          <a:noFill/>
+        </p:spPr>
+        <p:txBody>
+          <a:bodyPr wrap="none" rtlCol="0">
+            <a:spAutoFit/>
+          </a:bodyPr>
+          <a:lstStyle/>
+          <a:p>
+            <a:r>
+              <a:rPr lang="zh-CN" altLang="en-US" b="1" dirty="0"/>
+              <a:t>运行的程序：</a:t>
+            </a:r>
+            <a:endParaRPr lang="en-US" altLang="zh-CN" b="1" dirty="0"/>
+          </a:p>
+          <a:p>
+            <a:r>
+              <a:rPr lang="en-US" altLang="zh-CN" dirty="0">
+                <a:solidFill>
+                  <a:srgbClr val="4EC9B0"/>
+                </a:solidFill>
+                <a:latin typeface="Consolas" panose="020B0609020204030204" pitchFamily="49" charset="0"/>
+              </a:rPr>
+              <a:t>test_vnfControllerAddSFCI.py</a:t>
+            </a:r>
+          </a:p>
+          <a:p>
+            <a:r>
+              <a:rPr lang="en-US" altLang="zh-CN" dirty="0">
+                <a:solidFill>
+                  <a:srgbClr val="4EC9B0"/>
+                </a:solidFill>
+                <a:latin typeface="Consolas" panose="020B0609020204030204" pitchFamily="49" charset="0"/>
+              </a:rPr>
+              <a:t>VnfController.py</a:t>
+            </a:r>
+            <a:endParaRPr lang="zh-CN" altLang="en-US" dirty="0">
+              <a:solidFill>
+                <a:srgbClr val="4EC9B0"/>
+              </a:solidFill>
+              <a:latin typeface="Consolas" panose="020B0609020204030204" pitchFamily="49" charset="0"/>
+            </a:endParaRPr>
+          </a:p>
+        </p:txBody>
+      </p:sp>
+      <p:sp>
+        <p:nvSpPr>
+          <p:cNvPr id="17" name="文本框 16">
+            <a:extLst>
+              <a:ext uri="{FF2B5EF4-FFF2-40B4-BE49-F238E27FC236}">
+                <a16:creationId xmlns:a16="http://schemas.microsoft.com/office/drawing/2014/main" id="{962262FF-A1C2-49C5-B56C-7A7EED227B70}"/>
+              </a:ext>
+            </a:extLst>
+          </p:cNvPr>
+          <p:cNvSpPr txBox="1"/>
+          <p:nvPr/>
+        </p:nvSpPr>
+        <p:spPr>
+          <a:xfrm>
+            <a:off x="8261022" y="1887537"/>
+            <a:ext cx="1957587" cy="923330"/>
+          </a:xfrm>
+          <a:prstGeom prst="rect">
+            <a:avLst/>
+          </a:prstGeom>
+          <a:noFill/>
+        </p:spPr>
+        <p:txBody>
+          <a:bodyPr wrap="none" rtlCol="0">
+            <a:spAutoFit/>
+          </a:bodyPr>
+          <a:lstStyle/>
+          <a:p>
+            <a:r>
+              <a:rPr lang="zh-CN" altLang="en-US" b="1" dirty="0"/>
+              <a:t>运行的程序：</a:t>
+            </a:r>
+            <a:endParaRPr lang="en-US" altLang="zh-CN" b="1" dirty="0"/>
+          </a:p>
+          <a:p>
+            <a:r>
+              <a:rPr lang="en-US" altLang="zh-CN" dirty="0">
+                <a:solidFill>
+                  <a:srgbClr val="4EC9B0"/>
+                </a:solidFill>
+                <a:latin typeface="Consolas" panose="020B0609020204030204" pitchFamily="49" charset="0"/>
+              </a:rPr>
+              <a:t>serverAgent.py</a:t>
+            </a:r>
+            <a:endParaRPr lang="zh-CN" altLang="en-US" dirty="0">
+              <a:solidFill>
+                <a:srgbClr val="4EC9B0"/>
+              </a:solidFill>
+              <a:latin typeface="Consolas" panose="020B0609020204030204" pitchFamily="49" charset="0"/>
+            </a:endParaRPr>
+          </a:p>
+          <a:p>
+            <a:r>
+              <a:rPr lang="en-US" altLang="zh-CN" dirty="0">
+                <a:solidFill>
+                  <a:srgbClr val="4EC9B0"/>
+                </a:solidFill>
+                <a:latin typeface="Consolas" panose="020B0609020204030204" pitchFamily="49" charset="0"/>
+              </a:rPr>
+              <a:t>docker</a:t>
+            </a:r>
+            <a:endParaRPr lang="zh-CN" altLang="en-US" b="1" dirty="0"/>
+          </a:p>
+        </p:txBody>
+      </p:sp>
+      <p:sp>
+        <p:nvSpPr>
+          <p:cNvPr id="18" name="文本框 17">
+            <a:extLst>
+              <a:ext uri="{FF2B5EF4-FFF2-40B4-BE49-F238E27FC236}">
+                <a16:creationId xmlns:a16="http://schemas.microsoft.com/office/drawing/2014/main" id="{E95F887B-3134-4831-B6B5-04E14845E9A6}"/>
+              </a:ext>
+            </a:extLst>
+          </p:cNvPr>
+          <p:cNvSpPr txBox="1"/>
+          <p:nvPr/>
+        </p:nvSpPr>
+        <p:spPr>
+          <a:xfrm>
+            <a:off x="7836696" y="6080341"/>
+            <a:ext cx="3869970" cy="646331"/>
+          </a:xfrm>
+          <a:prstGeom prst="rect">
+            <a:avLst/>
+          </a:prstGeom>
+          <a:noFill/>
+        </p:spPr>
+        <p:txBody>
+          <a:bodyPr wrap="none" rtlCol="0">
+            <a:spAutoFit/>
+          </a:bodyPr>
+          <a:lstStyle/>
+          <a:p>
+            <a:r>
+              <a:rPr lang="zh-CN" altLang="en-US" dirty="0"/>
+              <a:t>这里的</a:t>
+            </a:r>
+            <a:r>
+              <a:rPr lang="en-US" altLang="zh-CN" dirty="0"/>
+              <a:t>enp4s0</a:t>
+            </a:r>
+            <a:r>
+              <a:rPr lang="zh-CN" altLang="en-US" dirty="0"/>
+              <a:t>在</a:t>
+            </a:r>
+            <a:r>
+              <a:rPr lang="en-US" altLang="zh-CN" dirty="0" err="1"/>
+              <a:t>linux</a:t>
+            </a:r>
+            <a:r>
+              <a:rPr lang="en-US" altLang="zh-CN" dirty="0"/>
+              <a:t> kernel</a:t>
+            </a:r>
+            <a:r>
+              <a:rPr lang="zh-CN" altLang="en-US" dirty="0"/>
+              <a:t>中看不见</a:t>
+            </a:r>
+            <a:endParaRPr lang="en-US" altLang="zh-CN" dirty="0"/>
+          </a:p>
+          <a:p>
+            <a:r>
+              <a:rPr lang="zh-CN" altLang="en-US" dirty="0"/>
+              <a:t>因为被</a:t>
+            </a:r>
+            <a:r>
+              <a:rPr lang="en-US" altLang="zh-CN" dirty="0" err="1"/>
+              <a:t>dpdk</a:t>
+            </a:r>
+            <a:r>
+              <a:rPr lang="zh-CN" altLang="en-US" dirty="0"/>
+              <a:t>接管了</a:t>
+            </a:r>
+          </a:p>
+        </p:txBody>
+      </p:sp>
+      <p:sp>
+        <p:nvSpPr>
+          <p:cNvPr id="19" name="文本框 18">
+            <a:extLst>
+              <a:ext uri="{FF2B5EF4-FFF2-40B4-BE49-F238E27FC236}">
+                <a16:creationId xmlns:a16="http://schemas.microsoft.com/office/drawing/2014/main" id="{B2F4AD6E-F60E-4654-84B1-2ABCADA98FD0}"/>
+              </a:ext>
+            </a:extLst>
+          </p:cNvPr>
+          <p:cNvSpPr txBox="1"/>
+          <p:nvPr/>
+        </p:nvSpPr>
+        <p:spPr>
+          <a:xfrm>
+            <a:off x="971046" y="6086775"/>
+            <a:ext cx="3384260" cy="646331"/>
+          </a:xfrm>
+          <a:prstGeom prst="rect">
+            <a:avLst/>
+          </a:prstGeom>
+          <a:noFill/>
+        </p:spPr>
+        <p:txBody>
+          <a:bodyPr wrap="none" rtlCol="0">
+            <a:spAutoFit/>
+          </a:bodyPr>
+          <a:lstStyle/>
+          <a:p>
+            <a:r>
+              <a:rPr lang="zh-CN" altLang="en-US" dirty="0"/>
+              <a:t>这里的</a:t>
+            </a:r>
+            <a:r>
+              <a:rPr lang="en-US" altLang="zh-CN" dirty="0"/>
+              <a:t>ens3</a:t>
+            </a:r>
+            <a:r>
+              <a:rPr lang="zh-CN" altLang="en-US" dirty="0"/>
+              <a:t>在</a:t>
+            </a:r>
+            <a:r>
+              <a:rPr lang="en-US" altLang="zh-CN" dirty="0" err="1"/>
+              <a:t>linux</a:t>
+            </a:r>
+            <a:r>
+              <a:rPr lang="en-US" altLang="zh-CN" dirty="0"/>
+              <a:t> kernel</a:t>
+            </a:r>
+            <a:r>
+              <a:rPr lang="zh-CN" altLang="en-US" dirty="0"/>
+              <a:t>中可见</a:t>
+            </a:r>
+            <a:endParaRPr lang="en-US" altLang="zh-CN" dirty="0"/>
+          </a:p>
+          <a:p>
+            <a:r>
+              <a:rPr lang="zh-CN" altLang="en-US" dirty="0"/>
+              <a:t>需要保证</a:t>
+            </a:r>
+            <a:r>
+              <a:rPr lang="en-US" altLang="zh-CN" dirty="0"/>
+              <a:t>ens3 up</a:t>
+            </a:r>
+          </a:p>
+        </p:txBody>
+      </p:sp>
+      <p:sp>
+        <p:nvSpPr>
+          <p:cNvPr id="3" name="文本框 2">
+            <a:extLst>
+              <a:ext uri="{FF2B5EF4-FFF2-40B4-BE49-F238E27FC236}">
+                <a16:creationId xmlns:a16="http://schemas.microsoft.com/office/drawing/2014/main" id="{6495F093-1AD0-43F6-8E65-E70794C2F99E}"/>
+              </a:ext>
+            </a:extLst>
+          </p:cNvPr>
+          <p:cNvSpPr txBox="1"/>
+          <p:nvPr/>
+        </p:nvSpPr>
+        <p:spPr>
+          <a:xfrm>
+            <a:off x="3725636" y="3824649"/>
+            <a:ext cx="1635384" cy="369332"/>
+          </a:xfrm>
+          <a:prstGeom prst="rect">
+            <a:avLst/>
+          </a:prstGeom>
+          <a:noFill/>
+        </p:spPr>
+        <p:txBody>
+          <a:bodyPr wrap="none" rtlCol="0">
+            <a:spAutoFit/>
+          </a:bodyPr>
+          <a:lstStyle/>
+          <a:p>
+            <a:r>
+              <a:rPr lang="en-US" altLang="zh-CN" b="1" dirty="0"/>
+              <a:t>192.168.0.158</a:t>
+            </a:r>
+            <a:endParaRPr lang="zh-CN" altLang="en-US" b="1" dirty="0"/>
+          </a:p>
+        </p:txBody>
+      </p:sp>
+      <p:sp>
+        <p:nvSpPr>
+          <p:cNvPr id="20" name="文本框 19">
+            <a:extLst>
+              <a:ext uri="{FF2B5EF4-FFF2-40B4-BE49-F238E27FC236}">
+                <a16:creationId xmlns:a16="http://schemas.microsoft.com/office/drawing/2014/main" id="{F61816E0-9199-4D82-8D1B-C8EF7175B2A2}"/>
+              </a:ext>
+            </a:extLst>
+          </p:cNvPr>
+          <p:cNvSpPr txBox="1"/>
+          <p:nvPr/>
+        </p:nvSpPr>
+        <p:spPr>
+          <a:xfrm>
+            <a:off x="7567065" y="3834155"/>
+            <a:ext cx="1539204" cy="369332"/>
+          </a:xfrm>
+          <a:prstGeom prst="rect">
+            <a:avLst/>
+          </a:prstGeom>
+          <a:noFill/>
+        </p:spPr>
+        <p:txBody>
+          <a:bodyPr wrap="none" rtlCol="0">
+            <a:spAutoFit/>
+          </a:bodyPr>
+          <a:lstStyle/>
+          <a:p>
+            <a:r>
+              <a:rPr lang="en-US" altLang="zh-CN" b="1" dirty="0"/>
+              <a:t>X.X.X.X(</a:t>
+            </a:r>
+            <a:r>
+              <a:rPr lang="zh-CN" altLang="en-US" b="1" dirty="0"/>
+              <a:t>随意</a:t>
+            </a:r>
+            <a:r>
+              <a:rPr lang="en-US" altLang="zh-CN" b="1" dirty="0"/>
+              <a:t>)</a:t>
+            </a:r>
+            <a:endParaRPr lang="zh-CN" altLang="en-US" b="1" dirty="0"/>
+          </a:p>
+        </p:txBody>
+      </p:sp>
+      <p:sp>
+        <p:nvSpPr>
+          <p:cNvPr id="29" name="文本框 28">
+            <a:extLst>
+              <a:ext uri="{FF2B5EF4-FFF2-40B4-BE49-F238E27FC236}">
+                <a16:creationId xmlns:a16="http://schemas.microsoft.com/office/drawing/2014/main" id="{24835CBE-3B7F-41AE-A6B4-ADC70614C933}"/>
+              </a:ext>
+            </a:extLst>
+          </p:cNvPr>
+          <p:cNvSpPr txBox="1"/>
+          <p:nvPr/>
+        </p:nvSpPr>
+        <p:spPr>
+          <a:xfrm>
+            <a:off x="10843967" y="4360231"/>
+            <a:ext cx="891591" cy="369332"/>
+          </a:xfrm>
+          <a:prstGeom prst="rect">
+            <a:avLst/>
+          </a:prstGeom>
+          <a:noFill/>
+        </p:spPr>
+        <p:txBody>
+          <a:bodyPr wrap="none" rtlCol="0">
+            <a:spAutoFit/>
+          </a:bodyPr>
+          <a:lstStyle/>
+          <a:p>
+            <a:r>
+              <a:rPr lang="en-US" altLang="zh-CN" b="1" dirty="0"/>
+              <a:t>NUMA</a:t>
+            </a:r>
+            <a:endParaRPr lang="zh-CN" altLang="en-US" b="1" dirty="0"/>
+          </a:p>
+        </p:txBody>
+      </p:sp>
+    </p:spTree>
+    <p:extLst>
+      <p:ext uri="{BB962C8B-B14F-4D97-AF65-F5344CB8AC3E}">
+        <p14:creationId xmlns:p14="http://schemas.microsoft.com/office/powerpoint/2010/main" val="2820407320"/>
       </p:ext>
     </p:extLst>
   </p:cSld>
